--- a/Presentations/Release Presentations/3.7/sections/Release 3.7 Diffraction.pptx
+++ b/Presentations/Release Presentations/3.7/sections/Release 3.7 Diffraction.pptx
@@ -145,7 +145,7 @@
   </p:defaultTextStyle>
   <p:extLst>
     <p:ext uri="{EFAFB233-063F-42B5-8137-9DF3F51BA10A}">
-      <p15:sldGuideLst xmlns="" xmlns:p15="http://schemas.microsoft.com/office/powerpoint/2012/main">
+      <p15:sldGuideLst xmlns:p15="http://schemas.microsoft.com/office/powerpoint/2012/main" xmlns="">
         <p15:guide id="1" orient="horz" pos="2160">
           <p15:clr>
             <a:srgbClr val="A4A3A4"/>
@@ -4291,7 +4291,6 @@
               <a:rPr lang="en-GB" sz="2000" dirty="0" smtClean="0"/>
               <a:t>Summary of all calibration approaches (Concepts -&gt; Calibration):</a:t>
             </a:r>
-            <a:endParaRPr lang="en-GB" sz="2000" dirty="0" smtClean="0"/>
           </a:p>
           <a:p>
             <a:pPr marL="457200" lvl="1" indent="0">
@@ -4417,7 +4416,6 @@
               <a:rPr lang="en-GB" sz="1600" dirty="0" smtClean="0"/>
               <a:t>Workflow algorithm that creates files suitable as input into GUDRUN</a:t>
             </a:r>
-            <a:endParaRPr lang="en-GB" sz="1600" dirty="0" smtClean="0"/>
           </a:p>
           <a:p>
             <a:r>
@@ -5170,7 +5168,6 @@
               <a:rPr lang="en-GB" sz="1600" dirty="0" smtClean="0"/>
               <a:t>Uses GSAS-II to refine lattice parameters and/or fit peaks</a:t>
             </a:r>
-            <a:endParaRPr lang="en-GB" sz="1600" dirty="0" smtClean="0"/>
           </a:p>
           <a:p>
             <a:r>
@@ -5641,9 +5638,347 @@
           </a:p>
         </p:txBody>
       </p:sp>
+      <p:sp>
+        <p:nvSpPr>
+          <p:cNvPr id="8" name="Rectangle 7"/>
+          <p:cNvSpPr/>
+          <p:nvPr/>
+        </p:nvSpPr>
+        <p:spPr>
+          <a:xfrm>
+            <a:off x="35496" y="3429000"/>
+            <a:ext cx="4169924" cy="2628412"/>
+          </a:xfrm>
+          <a:prstGeom prst="rect">
+            <a:avLst/>
+          </a:prstGeom>
+        </p:spPr>
+        <p:txBody>
+          <a:bodyPr wrap="square">
+            <a:spAutoFit/>
+          </a:bodyPr>
+          <a:lstStyle/>
+          <a:p>
+            <a:pPr marL="342900" lvl="0" indent="-342900">
+              <a:spcBef>
+                <a:spcPct val="20000"/>
+              </a:spcBef>
+              <a:buFontTx/>
+              <a:buChar char="•"/>
+            </a:pPr>
+            <a:r>
+              <a:rPr lang="en-GB" sz="2000" b="0" kern="0" dirty="0" smtClean="0">
+                <a:solidFill>
+                  <a:srgbClr val="00B050"/>
+                </a:solidFill>
+                <a:latin typeface="Lucida Sans"/>
+              </a:rPr>
+              <a:t>Fitting tab</a:t>
+            </a:r>
+            <a:r>
+              <a:rPr lang="en-GB" sz="2400" b="0" kern="0" dirty="0" smtClean="0">
+                <a:solidFill>
+                  <a:srgbClr val="00B050"/>
+                </a:solidFill>
+                <a:latin typeface="Lucida Sans"/>
+              </a:rPr>
+              <a:t>:</a:t>
+            </a:r>
+          </a:p>
+          <a:p>
+            <a:pPr marL="800100" lvl="1" indent="-342900">
+              <a:spcBef>
+                <a:spcPct val="20000"/>
+              </a:spcBef>
+              <a:buFontTx/>
+              <a:buChar char="•"/>
+            </a:pPr>
+            <a:r>
+              <a:rPr lang="en-GB" sz="1600" b="0" kern="0" dirty="0" smtClean="0">
+                <a:latin typeface="Lucida Sans"/>
+              </a:rPr>
+              <a:t>Preview: </a:t>
+            </a:r>
+            <a:r>
+              <a:rPr lang="en-GB" sz="1600" b="0" kern="0" dirty="0" err="1" smtClean="0">
+                <a:latin typeface="Lucida Sans"/>
+              </a:rPr>
+              <a:t>zomm</a:t>
+            </a:r>
+            <a:r>
+              <a:rPr lang="en-GB" sz="1600" b="0" kern="0" dirty="0" smtClean="0">
+                <a:latin typeface="Lucida Sans"/>
+              </a:rPr>
+              <a:t>-in, zoom-out, add, select and save peak, plot in d-Spacing instead of </a:t>
+            </a:r>
+            <a:r>
+              <a:rPr lang="en-GB" sz="1600" b="0" kern="0" dirty="0" err="1" smtClean="0">
+                <a:latin typeface="Lucida Sans"/>
+              </a:rPr>
+              <a:t>ToF</a:t>
+            </a:r>
+            <a:r>
+              <a:rPr lang="en-GB" sz="1600" b="0" kern="0" dirty="0" smtClean="0">
+                <a:latin typeface="Lucida Sans"/>
+              </a:rPr>
+              <a:t>, etc.</a:t>
+            </a:r>
+          </a:p>
+          <a:p>
+            <a:pPr marL="800100" lvl="1" indent="-342900">
+              <a:spcBef>
+                <a:spcPct val="20000"/>
+              </a:spcBef>
+              <a:buFontTx/>
+              <a:buChar char="•"/>
+            </a:pPr>
+            <a:r>
+              <a:rPr lang="en-GB" sz="1600" b="0" kern="0" dirty="0" smtClean="0">
+                <a:latin typeface="Lucida Sans"/>
+              </a:rPr>
+              <a:t>“Plot to Separate Window” button to plot single peak in separate </a:t>
+            </a:r>
+            <a:r>
+              <a:rPr lang="en-GB" sz="1600" b="0" kern="0" dirty="0" err="1" smtClean="0">
+                <a:latin typeface="Lucida Sans"/>
+              </a:rPr>
+              <a:t>ws</a:t>
+            </a:r>
+            <a:endParaRPr lang="en-GB" sz="1600" b="0" kern="0" dirty="0" smtClean="0">
+              <a:latin typeface="Lucida Sans"/>
+            </a:endParaRPr>
+          </a:p>
+          <a:p>
+            <a:pPr marL="800100" lvl="1" indent="-342900">
+              <a:spcBef>
+                <a:spcPct val="20000"/>
+              </a:spcBef>
+              <a:buFontTx/>
+              <a:buChar char="•"/>
+            </a:pPr>
+            <a:r>
+              <a:rPr lang="en-GB" sz="1600" b="0" kern="0" dirty="0" smtClean="0">
+                <a:latin typeface="Lucida Sans"/>
+              </a:rPr>
+              <a:t>Option to clear peak list</a:t>
+            </a:r>
+          </a:p>
+          <a:p>
+            <a:pPr marL="800100" lvl="1" indent="-342900">
+              <a:spcBef>
+                <a:spcPct val="20000"/>
+              </a:spcBef>
+              <a:buFontTx/>
+              <a:buChar char="•"/>
+            </a:pPr>
+            <a:r>
+              <a:rPr lang="en-GB" sz="1600" b="0" kern="0" dirty="0" smtClean="0">
+                <a:latin typeface="Lucida Sans"/>
+              </a:rPr>
+              <a:t>Many more…</a:t>
+            </a:r>
+            <a:endParaRPr lang="en-GB" sz="1600" b="0" kern="0" dirty="0">
+              <a:latin typeface="Lucida Sans"/>
+            </a:endParaRPr>
+          </a:p>
+        </p:txBody>
+      </p:sp>
+      <p:sp>
+        <p:nvSpPr>
+          <p:cNvPr id="9" name="Rectangle 8"/>
+          <p:cNvSpPr/>
+          <p:nvPr/>
+        </p:nvSpPr>
+        <p:spPr>
+          <a:xfrm>
+            <a:off x="35496" y="983170"/>
+            <a:ext cx="4169924" cy="2517612"/>
+          </a:xfrm>
+          <a:prstGeom prst="rect">
+            <a:avLst/>
+          </a:prstGeom>
+        </p:spPr>
+        <p:txBody>
+          <a:bodyPr wrap="square">
+            <a:spAutoFit/>
+          </a:bodyPr>
+          <a:lstStyle/>
+          <a:p>
+            <a:pPr marL="342900" lvl="0" indent="-342900">
+              <a:spcBef>
+                <a:spcPct val="20000"/>
+              </a:spcBef>
+              <a:buFontTx/>
+              <a:buChar char="•"/>
+            </a:pPr>
+            <a:r>
+              <a:rPr lang="en-GB" sz="2000" b="0" kern="0" dirty="0" smtClean="0">
+                <a:solidFill>
+                  <a:srgbClr val="00B050"/>
+                </a:solidFill>
+                <a:latin typeface="Lucida Sans"/>
+              </a:rPr>
+              <a:t>Calibration:</a:t>
+            </a:r>
+            <a:endParaRPr lang="en-GB" sz="2400" b="0" kern="0" dirty="0" smtClean="0">
+              <a:solidFill>
+                <a:srgbClr val="00B050"/>
+              </a:solidFill>
+              <a:latin typeface="Lucida Sans"/>
+            </a:endParaRPr>
+          </a:p>
+          <a:p>
+            <a:pPr marL="800100" lvl="1" indent="-342900">
+              <a:spcBef>
+                <a:spcPct val="20000"/>
+              </a:spcBef>
+              <a:buFontTx/>
+              <a:buChar char="•"/>
+            </a:pPr>
+            <a:r>
+              <a:rPr lang="en-GB" sz="1600" b="0" kern="0" dirty="0" smtClean="0">
+                <a:latin typeface="Lucida Sans"/>
+              </a:rPr>
+              <a:t>Custom bank name will be used to set the </a:t>
+            </a:r>
+            <a:r>
+              <a:rPr lang="en-GB" sz="1600" b="0" kern="0" dirty="0" err="1" smtClean="0">
+                <a:latin typeface="Lucida Sans"/>
+              </a:rPr>
+              <a:t>ws</a:t>
+            </a:r>
+            <a:r>
+              <a:rPr lang="en-GB" sz="1600" b="0" kern="0" dirty="0" smtClean="0">
+                <a:latin typeface="Lucida Sans"/>
+              </a:rPr>
+              <a:t> name</a:t>
+            </a:r>
+          </a:p>
+          <a:p>
+            <a:pPr marL="800100" lvl="1" indent="-342900">
+              <a:spcBef>
+                <a:spcPct val="20000"/>
+              </a:spcBef>
+              <a:buFontTx/>
+              <a:buChar char="•"/>
+            </a:pPr>
+            <a:r>
+              <a:rPr lang="en-GB" sz="1600" b="0" kern="0" dirty="0" smtClean="0">
+                <a:latin typeface="Lucida Sans"/>
+              </a:rPr>
+              <a:t>Output calibration files written to .</a:t>
+            </a:r>
+            <a:r>
+              <a:rPr lang="en-GB" sz="1600" b="0" kern="0" dirty="0" err="1" smtClean="0">
+                <a:latin typeface="Lucida Sans"/>
+              </a:rPr>
+              <a:t>prm</a:t>
+            </a:r>
+            <a:r>
+              <a:rPr lang="en-GB" sz="1600" b="0" kern="0" dirty="0" smtClean="0">
+                <a:latin typeface="Lucida Sans"/>
+              </a:rPr>
+              <a:t> by default.</a:t>
+            </a:r>
+          </a:p>
+          <a:p>
+            <a:pPr marL="800100" lvl="1" indent="-342900">
+              <a:spcBef>
+                <a:spcPct val="20000"/>
+              </a:spcBef>
+              <a:buFontTx/>
+              <a:buChar char="•"/>
+            </a:pPr>
+            <a:r>
+              <a:rPr lang="en-GB" sz="1600" b="0" kern="0" dirty="0" smtClean="0">
+                <a:latin typeface="Lucida Sans"/>
+              </a:rPr>
+              <a:t>Together with an “all-banks” calibration file, an individual file for every focused bank will be written</a:t>
+            </a:r>
+          </a:p>
+        </p:txBody>
+      </p:sp>
+      <p:sp>
+        <p:nvSpPr>
+          <p:cNvPr id="3" name="AutoShape 2" descr="https://files.slack.com/files-tmb/T02J4MMEW-F1ELFB5SP-4deede2895/untitled_720.png"/>
+          <p:cNvSpPr>
+            <a:spLocks noChangeAspect="1" noChangeArrowheads="1"/>
+          </p:cNvSpPr>
+          <p:nvPr/>
+        </p:nvSpPr>
+        <p:spPr bwMode="auto">
+          <a:xfrm>
+            <a:off x="155575" y="-144463"/>
+            <a:ext cx="304800" cy="304801"/>
+          </a:xfrm>
+          <a:prstGeom prst="rect">
+            <a:avLst/>
+          </a:prstGeom>
+          <a:noFill/>
+          <a:extLst>
+            <a:ext uri="{909E8E84-426E-40DD-AFC4-6F175D3DCCD1}">
+              <a14:hiddenFill xmlns:a14="http://schemas.microsoft.com/office/drawing/2010/main">
+                <a:solidFill>
+                  <a:srgbClr val="FFFFFF"/>
+                </a:solidFill>
+              </a14:hiddenFill>
+            </a:ext>
+          </a:extLst>
+        </p:spPr>
+        <p:txBody>
+          <a:bodyPr vert="horz" wrap="square" lIns="91440" tIns="45720" rIns="91440" bIns="45720" numCol="1" anchor="t" anchorCtr="0" compatLnSpc="1">
+            <a:prstTxWarp prst="textNoShape">
+              <a:avLst/>
+            </a:prstTxWarp>
+          </a:bodyPr>
+          <a:lstStyle/>
+          <a:p>
+            <a:endParaRPr lang="en-GB"/>
+          </a:p>
+        </p:txBody>
+      </p:sp>
+      <p:sp>
+        <p:nvSpPr>
+          <p:cNvPr id="4" name="AutoShape 4" descr="https://files.slack.com/files-pri/T02J4MMEW-F1ELFB5SP/untitled.png"/>
+          <p:cNvSpPr>
+            <a:spLocks noChangeAspect="1" noChangeArrowheads="1"/>
+          </p:cNvSpPr>
+          <p:nvPr/>
+        </p:nvSpPr>
+        <p:spPr bwMode="auto">
+          <a:xfrm>
+            <a:off x="155575" y="-4503738"/>
+            <a:ext cx="9144000" cy="9391651"/>
+          </a:xfrm>
+          <a:prstGeom prst="rect">
+            <a:avLst/>
+          </a:prstGeom>
+          <a:noFill/>
+          <a:extLst>
+            <a:ext uri="{909E8E84-426E-40DD-AFC4-6F175D3DCCD1}">
+              <a14:hiddenFill xmlns:a14="http://schemas.microsoft.com/office/drawing/2010/main">
+                <a:solidFill>
+                  <a:srgbClr val="FFFFFF"/>
+                </a:solidFill>
+              </a14:hiddenFill>
+            </a:ext>
+          </a:extLst>
+        </p:spPr>
+        <p:txBody>
+          <a:bodyPr vert="horz" wrap="square" lIns="91440" tIns="45720" rIns="91440" bIns="45720" numCol="1" anchor="t" anchorCtr="0" compatLnSpc="1">
+            <a:prstTxWarp prst="textNoShape">
+              <a:avLst/>
+            </a:prstTxWarp>
+          </a:bodyPr>
+          <a:lstStyle/>
+          <a:p>
+            <a:endParaRPr lang="en-GB"/>
+          </a:p>
+        </p:txBody>
+      </p:sp>
       <p:pic>
         <p:nvPicPr>
-          <p:cNvPr id="4098" name="Picture 2"/>
+          <p:cNvPr id="1029" name="Picture 5"/>
           <p:cNvPicPr>
             <a:picLocks noChangeAspect="1" noChangeArrowheads="1"/>
           </p:cNvPicPr>
@@ -5664,8 +5999,8 @@
         </p:blipFill>
         <p:spPr bwMode="auto">
           <a:xfrm>
-            <a:off x="4392314" y="1268760"/>
-            <a:ext cx="4716190" cy="4743025"/>
+            <a:off x="4283968" y="1246317"/>
+            <a:ext cx="4852069" cy="4979635"/>
           </a:xfrm>
           <a:prstGeom prst="rect">
             <a:avLst/>
@@ -5674,6 +6009,7 @@
           <a:ln>
             <a:noFill/>
           </a:ln>
+          <a:effectLst/>
           <a:extLst>
             <a:ext uri="{909E8E84-426E-40DD-AFC4-6F175D3DCCD1}">
               <a14:hiddenFill xmlns:a14="http://schemas.microsoft.com/office/drawing/2010/main">
@@ -5692,269 +6028,18 @@
                 <a:tailEnd/>
               </a14:hiddenLine>
             </a:ext>
+            <a:ext uri="{AF507438-7753-43E0-B8FC-AC1667EBCBE1}">
+              <a14:hiddenEffects xmlns:a14="http://schemas.microsoft.com/office/drawing/2010/main">
+                <a:effectLst>
+                  <a:outerShdw dist="35921" dir="2700000" algn="ctr" rotWithShape="0">
+                    <a:schemeClr val="bg2"/>
+                  </a:outerShdw>
+                </a:effectLst>
+              </a14:hiddenEffects>
+            </a:ext>
           </a:extLst>
         </p:spPr>
       </p:pic>
-      <p:sp>
-        <p:nvSpPr>
-          <p:cNvPr id="8" name="Rectangle 7"/>
-          <p:cNvSpPr/>
-          <p:nvPr/>
-        </p:nvSpPr>
-        <p:spPr>
-          <a:xfrm>
-            <a:off x="35496" y="3429000"/>
-            <a:ext cx="4169924" cy="2628412"/>
-          </a:xfrm>
-          <a:prstGeom prst="rect">
-            <a:avLst/>
-          </a:prstGeom>
-        </p:spPr>
-        <p:txBody>
-          <a:bodyPr wrap="square">
-            <a:spAutoFit/>
-          </a:bodyPr>
-          <a:lstStyle/>
-          <a:p>
-            <a:pPr marL="342900" lvl="0" indent="-342900">
-              <a:spcBef>
-                <a:spcPct val="20000"/>
-              </a:spcBef>
-              <a:buFontTx/>
-              <a:buChar char="•"/>
-            </a:pPr>
-            <a:r>
-              <a:rPr lang="en-GB" sz="2000" b="0" kern="0" dirty="0" smtClean="0">
-                <a:solidFill>
-                  <a:srgbClr val="00B050"/>
-                </a:solidFill>
-                <a:latin typeface="Lucida Sans"/>
-              </a:rPr>
-              <a:t>Fitting tab</a:t>
-            </a:r>
-            <a:r>
-              <a:rPr lang="en-GB" sz="2400" b="0" kern="0" dirty="0" smtClean="0">
-                <a:solidFill>
-                  <a:srgbClr val="00B050"/>
-                </a:solidFill>
-                <a:latin typeface="Lucida Sans"/>
-              </a:rPr>
-              <a:t>:</a:t>
-            </a:r>
-          </a:p>
-          <a:p>
-            <a:pPr marL="800100" lvl="1" indent="-342900">
-              <a:spcBef>
-                <a:spcPct val="20000"/>
-              </a:spcBef>
-              <a:buFontTx/>
-              <a:buChar char="•"/>
-            </a:pPr>
-            <a:r>
-              <a:rPr lang="en-GB" sz="1600" b="0" kern="0" dirty="0" smtClean="0">
-                <a:latin typeface="Lucida Sans"/>
-              </a:rPr>
-              <a:t>Preview: </a:t>
-            </a:r>
-            <a:r>
-              <a:rPr lang="en-GB" sz="1600" b="0" kern="0" dirty="0" err="1" smtClean="0">
-                <a:latin typeface="Lucida Sans"/>
-              </a:rPr>
-              <a:t>zomm</a:t>
-            </a:r>
-            <a:r>
-              <a:rPr lang="en-GB" sz="1600" b="0" kern="0" dirty="0" smtClean="0">
-                <a:latin typeface="Lucida Sans"/>
-              </a:rPr>
-              <a:t>-in, zoom-out, add, select and save peak, plot in d-Spacing instead of </a:t>
-            </a:r>
-            <a:r>
-              <a:rPr lang="en-GB" sz="1600" b="0" kern="0" dirty="0" err="1" smtClean="0">
-                <a:latin typeface="Lucida Sans"/>
-              </a:rPr>
-              <a:t>ToF</a:t>
-            </a:r>
-            <a:r>
-              <a:rPr lang="en-GB" sz="1600" b="0" kern="0" dirty="0" smtClean="0">
-                <a:latin typeface="Lucida Sans"/>
-              </a:rPr>
-              <a:t>, etc.</a:t>
-            </a:r>
-          </a:p>
-          <a:p>
-            <a:pPr marL="800100" lvl="1" indent="-342900">
-              <a:spcBef>
-                <a:spcPct val="20000"/>
-              </a:spcBef>
-              <a:buFontTx/>
-              <a:buChar char="•"/>
-            </a:pPr>
-            <a:r>
-              <a:rPr lang="en-GB" sz="1600" b="0" kern="0" dirty="0" smtClean="0">
-                <a:latin typeface="Lucida Sans"/>
-              </a:rPr>
-              <a:t>“Plot to Separate Window” button to plot single peak in separate </a:t>
-            </a:r>
-            <a:r>
-              <a:rPr lang="en-GB" sz="1600" b="0" kern="0" dirty="0" err="1" smtClean="0">
-                <a:latin typeface="Lucida Sans"/>
-              </a:rPr>
-              <a:t>ws</a:t>
-            </a:r>
-            <a:endParaRPr lang="en-GB" sz="1600" b="0" kern="0" dirty="0" smtClean="0">
-              <a:latin typeface="Lucida Sans"/>
-            </a:endParaRPr>
-          </a:p>
-          <a:p>
-            <a:pPr marL="800100" lvl="1" indent="-342900">
-              <a:spcBef>
-                <a:spcPct val="20000"/>
-              </a:spcBef>
-              <a:buFontTx/>
-              <a:buChar char="•"/>
-            </a:pPr>
-            <a:r>
-              <a:rPr lang="en-GB" sz="1600" b="0" kern="0" dirty="0" smtClean="0">
-                <a:latin typeface="Lucida Sans"/>
-              </a:rPr>
-              <a:t>Option to clear peak list</a:t>
-            </a:r>
-          </a:p>
-          <a:p>
-            <a:pPr marL="800100" lvl="1" indent="-342900">
-              <a:spcBef>
-                <a:spcPct val="20000"/>
-              </a:spcBef>
-              <a:buFontTx/>
-              <a:buChar char="•"/>
-            </a:pPr>
-            <a:r>
-              <a:rPr lang="en-GB" sz="1600" b="0" kern="0" dirty="0" err="1" smtClean="0">
-                <a:latin typeface="Lucida Sans"/>
-              </a:rPr>
-              <a:t>Etc</a:t>
-            </a:r>
-            <a:endParaRPr lang="en-GB" sz="1600" b="0" kern="0" dirty="0">
-              <a:latin typeface="Lucida Sans"/>
-            </a:endParaRPr>
-          </a:p>
-        </p:txBody>
-      </p:sp>
-      <p:sp>
-        <p:nvSpPr>
-          <p:cNvPr id="9" name="Rectangle 8"/>
-          <p:cNvSpPr/>
-          <p:nvPr/>
-        </p:nvSpPr>
-        <p:spPr>
-          <a:xfrm>
-            <a:off x="35496" y="983170"/>
-            <a:ext cx="4169924" cy="2517612"/>
-          </a:xfrm>
-          <a:prstGeom prst="rect">
-            <a:avLst/>
-          </a:prstGeom>
-        </p:spPr>
-        <p:txBody>
-          <a:bodyPr wrap="square">
-            <a:spAutoFit/>
-          </a:bodyPr>
-          <a:lstStyle/>
-          <a:p>
-            <a:pPr marL="342900" lvl="0" indent="-342900">
-              <a:spcBef>
-                <a:spcPct val="20000"/>
-              </a:spcBef>
-              <a:buFontTx/>
-              <a:buChar char="•"/>
-            </a:pPr>
-            <a:r>
-              <a:rPr lang="en-GB" sz="2000" b="0" kern="0" dirty="0" smtClean="0">
-                <a:solidFill>
-                  <a:srgbClr val="00B050"/>
-                </a:solidFill>
-                <a:latin typeface="Lucida Sans"/>
-              </a:rPr>
-              <a:t>Calibration:</a:t>
-            </a:r>
-            <a:endParaRPr lang="en-GB" sz="2400" b="0" kern="0" dirty="0" smtClean="0">
-              <a:solidFill>
-                <a:srgbClr val="00B050"/>
-              </a:solidFill>
-              <a:latin typeface="Lucida Sans"/>
-            </a:endParaRPr>
-          </a:p>
-          <a:p>
-            <a:pPr marL="800100" lvl="1" indent="-342900">
-              <a:spcBef>
-                <a:spcPct val="20000"/>
-              </a:spcBef>
-              <a:buFontTx/>
-              <a:buChar char="•"/>
-            </a:pPr>
-            <a:r>
-              <a:rPr lang="en-GB" sz="1600" b="0" kern="0" dirty="0" smtClean="0">
-                <a:latin typeface="Lucida Sans"/>
-              </a:rPr>
-              <a:t>Custom bank name will be used to set the </a:t>
-            </a:r>
-            <a:r>
-              <a:rPr lang="en-GB" sz="1600" b="0" kern="0" dirty="0" err="1" smtClean="0">
-                <a:latin typeface="Lucida Sans"/>
-              </a:rPr>
-              <a:t>ws</a:t>
-            </a:r>
-            <a:r>
-              <a:rPr lang="en-GB" sz="1600" b="0" kern="0" dirty="0" smtClean="0">
-                <a:latin typeface="Lucida Sans"/>
-              </a:rPr>
-              <a:t> name</a:t>
-            </a:r>
-          </a:p>
-          <a:p>
-            <a:pPr marL="800100" lvl="1" indent="-342900">
-              <a:spcBef>
-                <a:spcPct val="20000"/>
-              </a:spcBef>
-              <a:buFontTx/>
-              <a:buChar char="•"/>
-            </a:pPr>
-            <a:r>
-              <a:rPr lang="en-GB" sz="1600" b="0" kern="0" dirty="0" smtClean="0">
-                <a:latin typeface="Lucida Sans"/>
-              </a:rPr>
-              <a:t>Output calibration files written to .</a:t>
-            </a:r>
-            <a:r>
-              <a:rPr lang="en-GB" sz="1600" b="0" kern="0" dirty="0" err="1" smtClean="0">
-                <a:latin typeface="Lucida Sans"/>
-              </a:rPr>
-              <a:t>prm</a:t>
-            </a:r>
-            <a:r>
-              <a:rPr lang="en-GB" sz="1600" b="0" kern="0" dirty="0" smtClean="0">
-                <a:latin typeface="Lucida Sans"/>
-              </a:rPr>
-              <a:t> by default.</a:t>
-            </a:r>
-          </a:p>
-          <a:p>
-            <a:pPr marL="800100" lvl="1" indent="-342900">
-              <a:spcBef>
-                <a:spcPct val="20000"/>
-              </a:spcBef>
-              <a:buFontTx/>
-              <a:buChar char="•"/>
-            </a:pPr>
-            <a:r>
-              <a:rPr lang="en-GB" sz="1600" b="0" kern="0" dirty="0" smtClean="0">
-                <a:latin typeface="Lucida Sans"/>
-              </a:rPr>
-              <a:t>Together with an “all-banks” calibration file, an individual file for every focused bank will be written</a:t>
-            </a:r>
-          </a:p>
-        </p:txBody>
-      </p:sp>
     </p:spTree>
     <p:extLst>
       <p:ext uri="{BB962C8B-B14F-4D97-AF65-F5344CB8AC3E}">
